--- a/Minhaz_Shahadat/Bengali_News_Generation_Final_Presentation.pptx
+++ b/Minhaz_Shahadat/Bengali_News_Generation_Final_Presentation.pptx
@@ -8,8 +8,9 @@
     <p:sldId id="256" r:id="rId2"/>
     <p:sldId id="272" r:id="rId3"/>
     <p:sldId id="273" r:id="rId4"/>
-    <p:sldId id="275" r:id="rId5"/>
-    <p:sldId id="271" r:id="rId6"/>
+    <p:sldId id="276" r:id="rId5"/>
+    <p:sldId id="275" r:id="rId6"/>
+    <p:sldId id="271" r:id="rId7"/>
   </p:sldIdLst>
   <p:sldSz cx="12192000" cy="6858000"/>
   <p:notesSz cx="7315200" cy="9601200"/>
@@ -127,6 +128,1064 @@
 </p:presentation>
 </file>
 
+<file path=ppt/charts/chart1.xml><?xml version="1.0" encoding="utf-8"?>
+<c:chartSpace xmlns:c="http://schemas.openxmlformats.org/drawingml/2006/chart" xmlns:a="http://schemas.openxmlformats.org/drawingml/2006/main" xmlns:r="http://schemas.openxmlformats.org/officeDocument/2006/relationships">
+  <c:date1904 val="0"/>
+  <c:lang val="en-US"/>
+  <c:roundedCorners val="0"/>
+  <mc:AlternateContent xmlns:mc="http://schemas.openxmlformats.org/markup-compatibility/2006">
+    <mc:Choice xmlns:c14="http://schemas.microsoft.com/office/drawing/2007/8/2/chart" Requires="c14">
+      <c14:style val="102"/>
+    </mc:Choice>
+    <mc:Fallback>
+      <c:style val="2"/>
+    </mc:Fallback>
+  </mc:AlternateContent>
+  <c:chart>
+    <c:title>
+      <c:tx>
+        <c:rich>
+          <a:bodyPr rot="0" spcFirstLastPara="1" vertOverflow="ellipsis" vert="horz" wrap="square" anchor="ctr" anchorCtr="1"/>
+          <a:lstStyle/>
+          <a:p>
+            <a:pPr>
+              <a:defRPr sz="1400" b="0" i="0" u="none" strike="noStrike" kern="1200" spc="0" baseline="0">
+                <a:solidFill>
+                  <a:schemeClr val="tx1">
+                    <a:lumMod val="65000"/>
+                    <a:lumOff val="35000"/>
+                  </a:schemeClr>
+                </a:solidFill>
+                <a:latin typeface="+mn-lt"/>
+                <a:ea typeface="+mn-ea"/>
+                <a:cs typeface="+mn-cs"/>
+              </a:defRPr>
+            </a:pPr>
+            <a:r>
+              <a:rPr lang="en-US"/>
+              <a:t>epoch vs. accuracy</a:t>
+            </a:r>
+          </a:p>
+        </c:rich>
+      </c:tx>
+      <c:layout/>
+      <c:overlay val="0"/>
+      <c:spPr>
+        <a:noFill/>
+        <a:ln>
+          <a:noFill/>
+        </a:ln>
+        <a:effectLst/>
+      </c:spPr>
+      <c:txPr>
+        <a:bodyPr rot="0" spcFirstLastPara="1" vertOverflow="ellipsis" vert="horz" wrap="square" anchor="ctr" anchorCtr="1"/>
+        <a:lstStyle/>
+        <a:p>
+          <a:pPr>
+            <a:defRPr sz="1400" b="0" i="0" u="none" strike="noStrike" kern="1200" spc="0" baseline="0">
+              <a:solidFill>
+                <a:schemeClr val="tx1">
+                  <a:lumMod val="65000"/>
+                  <a:lumOff val="35000"/>
+                </a:schemeClr>
+              </a:solidFill>
+              <a:latin typeface="+mn-lt"/>
+              <a:ea typeface="+mn-ea"/>
+              <a:cs typeface="+mn-cs"/>
+            </a:defRPr>
+          </a:pPr>
+          <a:endParaRPr lang="en-US"/>
+        </a:p>
+      </c:txPr>
+    </c:title>
+    <c:autoTitleDeleted val="0"/>
+    <c:plotArea>
+      <c:layout/>
+      <c:scatterChart>
+        <c:scatterStyle val="smoothMarker"/>
+        <c:varyColors val="0"/>
+        <c:ser>
+          <c:idx val="0"/>
+          <c:order val="0"/>
+          <c:tx>
+            <c:strRef>
+              <c:f>Sheet1!$B$1</c:f>
+              <c:strCache>
+                <c:ptCount val="1"/>
+                <c:pt idx="0">
+                  <c:v>accuracy</c:v>
+                </c:pt>
+              </c:strCache>
+            </c:strRef>
+          </c:tx>
+          <c:spPr>
+            <a:ln w="19050" cap="rnd">
+              <a:solidFill>
+                <a:schemeClr val="accent1"/>
+              </a:solidFill>
+              <a:round/>
+            </a:ln>
+            <a:effectLst/>
+          </c:spPr>
+          <c:marker>
+            <c:symbol val="none"/>
+          </c:marker>
+          <c:xVal>
+            <c:numRef>
+              <c:f>Sheet1!$A$2:$A$36</c:f>
+              <c:numCache>
+                <c:formatCode>General</c:formatCode>
+                <c:ptCount val="35"/>
+                <c:pt idx="0">
+                  <c:v>1</c:v>
+                </c:pt>
+                <c:pt idx="1">
+                  <c:v>2</c:v>
+                </c:pt>
+                <c:pt idx="2">
+                  <c:v>3</c:v>
+                </c:pt>
+                <c:pt idx="3">
+                  <c:v>4</c:v>
+                </c:pt>
+                <c:pt idx="4">
+                  <c:v>5</c:v>
+                </c:pt>
+                <c:pt idx="5">
+                  <c:v>6</c:v>
+                </c:pt>
+                <c:pt idx="6">
+                  <c:v>7</c:v>
+                </c:pt>
+                <c:pt idx="7">
+                  <c:v>8</c:v>
+                </c:pt>
+                <c:pt idx="8">
+                  <c:v>9</c:v>
+                </c:pt>
+                <c:pt idx="9">
+                  <c:v>10</c:v>
+                </c:pt>
+                <c:pt idx="10">
+                  <c:v>11</c:v>
+                </c:pt>
+                <c:pt idx="11">
+                  <c:v>12</c:v>
+                </c:pt>
+                <c:pt idx="12">
+                  <c:v>13</c:v>
+                </c:pt>
+                <c:pt idx="13">
+                  <c:v>14</c:v>
+                </c:pt>
+                <c:pt idx="14">
+                  <c:v>15</c:v>
+                </c:pt>
+                <c:pt idx="15">
+                  <c:v>16</c:v>
+                </c:pt>
+                <c:pt idx="16">
+                  <c:v>17</c:v>
+                </c:pt>
+                <c:pt idx="17">
+                  <c:v>18</c:v>
+                </c:pt>
+                <c:pt idx="18">
+                  <c:v>19</c:v>
+                </c:pt>
+                <c:pt idx="19">
+                  <c:v>20</c:v>
+                </c:pt>
+                <c:pt idx="20">
+                  <c:v>21</c:v>
+                </c:pt>
+                <c:pt idx="21">
+                  <c:v>22</c:v>
+                </c:pt>
+                <c:pt idx="22">
+                  <c:v>23</c:v>
+                </c:pt>
+                <c:pt idx="23">
+                  <c:v>24</c:v>
+                </c:pt>
+                <c:pt idx="24">
+                  <c:v>25</c:v>
+                </c:pt>
+                <c:pt idx="25">
+                  <c:v>26</c:v>
+                </c:pt>
+                <c:pt idx="26">
+                  <c:v>27</c:v>
+                </c:pt>
+                <c:pt idx="27">
+                  <c:v>28</c:v>
+                </c:pt>
+                <c:pt idx="28">
+                  <c:v>29</c:v>
+                </c:pt>
+                <c:pt idx="29">
+                  <c:v>30</c:v>
+                </c:pt>
+                <c:pt idx="30">
+                  <c:v>31</c:v>
+                </c:pt>
+                <c:pt idx="31">
+                  <c:v>32</c:v>
+                </c:pt>
+                <c:pt idx="32">
+                  <c:v>33</c:v>
+                </c:pt>
+                <c:pt idx="33">
+                  <c:v>34</c:v>
+                </c:pt>
+                <c:pt idx="34">
+                  <c:v>35</c:v>
+                </c:pt>
+              </c:numCache>
+            </c:numRef>
+          </c:xVal>
+          <c:yVal>
+            <c:numRef>
+              <c:f>Sheet1!$B$2:$B$36</c:f>
+              <c:numCache>
+                <c:formatCode>General</c:formatCode>
+                <c:ptCount val="35"/>
+                <c:pt idx="0">
+                  <c:v>3.6799999999999999E-2</c:v>
+                </c:pt>
+                <c:pt idx="1">
+                  <c:v>3.5799999999999998E-2</c:v>
+                </c:pt>
+                <c:pt idx="2">
+                  <c:v>3.6700000000000003E-2</c:v>
+                </c:pt>
+                <c:pt idx="3">
+                  <c:v>3.61E-2</c:v>
+                </c:pt>
+                <c:pt idx="4">
+                  <c:v>4.1599999999999998E-2</c:v>
+                </c:pt>
+                <c:pt idx="5">
+                  <c:v>5.0099999999999999E-2</c:v>
+                </c:pt>
+                <c:pt idx="6">
+                  <c:v>7.7499999999999999E-2</c:v>
+                </c:pt>
+                <c:pt idx="7">
+                  <c:v>0.1444</c:v>
+                </c:pt>
+                <c:pt idx="8">
+                  <c:v>0.25240000000000001</c:v>
+                </c:pt>
+                <c:pt idx="9">
+                  <c:v>0.38390000000000002</c:v>
+                </c:pt>
+                <c:pt idx="10">
+                  <c:v>0.49809999999999999</c:v>
+                </c:pt>
+                <c:pt idx="11">
+                  <c:v>0.60240000000000005</c:v>
+                </c:pt>
+                <c:pt idx="12">
+                  <c:v>0.70330000000000004</c:v>
+                </c:pt>
+                <c:pt idx="13">
+                  <c:v>0.79330000000000001</c:v>
+                </c:pt>
+                <c:pt idx="14">
+                  <c:v>0.85809999999999997</c:v>
+                </c:pt>
+                <c:pt idx="15">
+                  <c:v>0.91139999999999999</c:v>
+                </c:pt>
+                <c:pt idx="16">
+                  <c:v>0.94330000000000003</c:v>
+                </c:pt>
+                <c:pt idx="17">
+                  <c:v>0.96740000000000004</c:v>
+                </c:pt>
+                <c:pt idx="18">
+                  <c:v>0.98419999999999996</c:v>
+                </c:pt>
+                <c:pt idx="19">
+                  <c:v>0.99019999999999997</c:v>
+                </c:pt>
+                <c:pt idx="20">
+                  <c:v>0.99390000000000001</c:v>
+                </c:pt>
+                <c:pt idx="21">
+                  <c:v>0.99639999999999995</c:v>
+                </c:pt>
+                <c:pt idx="22">
+                  <c:v>0.99709999999999999</c:v>
+                </c:pt>
+                <c:pt idx="23">
+                  <c:v>0.99739999999999995</c:v>
+                </c:pt>
+                <c:pt idx="24">
+                  <c:v>0.99729999999999996</c:v>
+                </c:pt>
+                <c:pt idx="25">
+                  <c:v>0.99860000000000004</c:v>
+                </c:pt>
+                <c:pt idx="26">
+                  <c:v>0.99890000000000001</c:v>
+                </c:pt>
+                <c:pt idx="27">
+                  <c:v>0.99890000000000001</c:v>
+                </c:pt>
+                <c:pt idx="28">
+                  <c:v>0.99909999999999999</c:v>
+                </c:pt>
+                <c:pt idx="29">
+                  <c:v>0.99919999999999998</c:v>
+                </c:pt>
+                <c:pt idx="30">
+                  <c:v>0.99929999999999997</c:v>
+                </c:pt>
+                <c:pt idx="31">
+                  <c:v>0.99929999999999997</c:v>
+                </c:pt>
+                <c:pt idx="32">
+                  <c:v>0.99929999999999997</c:v>
+                </c:pt>
+                <c:pt idx="33">
+                  <c:v>0.99929999999999997</c:v>
+                </c:pt>
+                <c:pt idx="34">
+                  <c:v>0.99929999999999997</c:v>
+                </c:pt>
+              </c:numCache>
+            </c:numRef>
+          </c:yVal>
+          <c:smooth val="1"/>
+        </c:ser>
+        <c:dLbls>
+          <c:showLegendKey val="0"/>
+          <c:showVal val="0"/>
+          <c:showCatName val="0"/>
+          <c:showSerName val="0"/>
+          <c:showPercent val="0"/>
+          <c:showBubbleSize val="0"/>
+        </c:dLbls>
+        <c:axId val="254326616"/>
+        <c:axId val="254327008"/>
+      </c:scatterChart>
+      <c:valAx>
+        <c:axId val="254326616"/>
+        <c:scaling>
+          <c:orientation val="minMax"/>
+        </c:scaling>
+        <c:delete val="0"/>
+        <c:axPos val="b"/>
+        <c:majorGridlines>
+          <c:spPr>
+            <a:ln w="9525" cap="flat" cmpd="sng" algn="ctr">
+              <a:solidFill>
+                <a:schemeClr val="tx1">
+                  <a:lumMod val="15000"/>
+                  <a:lumOff val="85000"/>
+                </a:schemeClr>
+              </a:solidFill>
+              <a:round/>
+            </a:ln>
+            <a:effectLst/>
+          </c:spPr>
+        </c:majorGridlines>
+        <c:numFmt formatCode="General" sourceLinked="1"/>
+        <c:majorTickMark val="none"/>
+        <c:minorTickMark val="none"/>
+        <c:tickLblPos val="nextTo"/>
+        <c:spPr>
+          <a:noFill/>
+          <a:ln w="9525" cap="flat" cmpd="sng" algn="ctr">
+            <a:solidFill>
+              <a:schemeClr val="tx1">
+                <a:lumMod val="25000"/>
+                <a:lumOff val="75000"/>
+              </a:schemeClr>
+            </a:solidFill>
+            <a:round/>
+          </a:ln>
+          <a:effectLst/>
+        </c:spPr>
+        <c:txPr>
+          <a:bodyPr rot="-60000000" spcFirstLastPara="1" vertOverflow="ellipsis" vert="horz" wrap="square" anchor="ctr" anchorCtr="1"/>
+          <a:lstStyle/>
+          <a:p>
+            <a:pPr>
+              <a:defRPr sz="900" b="0" i="0" u="none" strike="noStrike" kern="1200" baseline="0">
+                <a:solidFill>
+                  <a:schemeClr val="tx1">
+                    <a:lumMod val="65000"/>
+                    <a:lumOff val="35000"/>
+                  </a:schemeClr>
+                </a:solidFill>
+                <a:latin typeface="+mn-lt"/>
+                <a:ea typeface="+mn-ea"/>
+                <a:cs typeface="+mn-cs"/>
+              </a:defRPr>
+            </a:pPr>
+            <a:endParaRPr lang="en-US"/>
+          </a:p>
+        </c:txPr>
+        <c:crossAx val="254327008"/>
+        <c:crosses val="autoZero"/>
+        <c:crossBetween val="midCat"/>
+      </c:valAx>
+      <c:valAx>
+        <c:axId val="254327008"/>
+        <c:scaling>
+          <c:orientation val="minMax"/>
+        </c:scaling>
+        <c:delete val="0"/>
+        <c:axPos val="l"/>
+        <c:majorGridlines>
+          <c:spPr>
+            <a:ln w="9525" cap="flat" cmpd="sng" algn="ctr">
+              <a:solidFill>
+                <a:schemeClr val="tx1">
+                  <a:lumMod val="15000"/>
+                  <a:lumOff val="85000"/>
+                </a:schemeClr>
+              </a:solidFill>
+              <a:round/>
+            </a:ln>
+            <a:effectLst/>
+          </c:spPr>
+        </c:majorGridlines>
+        <c:numFmt formatCode="General" sourceLinked="1"/>
+        <c:majorTickMark val="none"/>
+        <c:minorTickMark val="none"/>
+        <c:tickLblPos val="nextTo"/>
+        <c:spPr>
+          <a:noFill/>
+          <a:ln w="9525" cap="flat" cmpd="sng" algn="ctr">
+            <a:solidFill>
+              <a:schemeClr val="tx1">
+                <a:lumMod val="25000"/>
+                <a:lumOff val="75000"/>
+              </a:schemeClr>
+            </a:solidFill>
+            <a:round/>
+          </a:ln>
+          <a:effectLst/>
+        </c:spPr>
+        <c:txPr>
+          <a:bodyPr rot="-60000000" spcFirstLastPara="1" vertOverflow="ellipsis" vert="horz" wrap="square" anchor="ctr" anchorCtr="1"/>
+          <a:lstStyle/>
+          <a:p>
+            <a:pPr>
+              <a:defRPr sz="900" b="0" i="0" u="none" strike="noStrike" kern="1200" baseline="0">
+                <a:solidFill>
+                  <a:schemeClr val="tx1">
+                    <a:lumMod val="65000"/>
+                    <a:lumOff val="35000"/>
+                  </a:schemeClr>
+                </a:solidFill>
+                <a:latin typeface="+mn-lt"/>
+                <a:ea typeface="+mn-ea"/>
+                <a:cs typeface="+mn-cs"/>
+              </a:defRPr>
+            </a:pPr>
+            <a:endParaRPr lang="en-US"/>
+          </a:p>
+        </c:txPr>
+        <c:crossAx val="254326616"/>
+        <c:crosses val="autoZero"/>
+        <c:crossBetween val="midCat"/>
+      </c:valAx>
+      <c:spPr>
+        <a:noFill/>
+        <a:ln>
+          <a:noFill/>
+        </a:ln>
+        <a:effectLst/>
+      </c:spPr>
+    </c:plotArea>
+    <c:plotVisOnly val="1"/>
+    <c:dispBlanksAs val="gap"/>
+    <c:showDLblsOverMax val="0"/>
+  </c:chart>
+  <c:spPr>
+    <a:noFill/>
+    <a:ln>
+      <a:noFill/>
+    </a:ln>
+    <a:effectLst/>
+  </c:spPr>
+  <c:txPr>
+    <a:bodyPr/>
+    <a:lstStyle/>
+    <a:p>
+      <a:pPr>
+        <a:defRPr/>
+      </a:pPr>
+      <a:endParaRPr lang="en-US"/>
+    </a:p>
+  </c:txPr>
+  <c:externalData r:id="rId3">
+    <c:autoUpdate val="0"/>
+  </c:externalData>
+</c:chartSpace>
+</file>
+
+<file path=ppt/charts/colors1.xml><?xml version="1.0" encoding="utf-8"?>
+<cs:colorStyle xmlns:cs="http://schemas.microsoft.com/office/drawing/2012/chartStyle" xmlns:a="http://schemas.openxmlformats.org/drawingml/2006/main" meth="cycle" id="10">
+  <a:schemeClr val="accent1"/>
+  <a:schemeClr val="accent2"/>
+  <a:schemeClr val="accent3"/>
+  <a:schemeClr val="accent4"/>
+  <a:schemeClr val="accent5"/>
+  <a:schemeClr val="accent6"/>
+  <cs:variation/>
+  <cs:variation>
+    <a:lumMod val="60000"/>
+  </cs:variation>
+  <cs:variation>
+    <a:lumMod val="80000"/>
+    <a:lumOff val="20000"/>
+  </cs:variation>
+  <cs:variation>
+    <a:lumMod val="80000"/>
+  </cs:variation>
+  <cs:variation>
+    <a:lumMod val="60000"/>
+    <a:lumOff val="40000"/>
+  </cs:variation>
+  <cs:variation>
+    <a:lumMod val="50000"/>
+  </cs:variation>
+  <cs:variation>
+    <a:lumMod val="70000"/>
+    <a:lumOff val="30000"/>
+  </cs:variation>
+  <cs:variation>
+    <a:lumMod val="70000"/>
+  </cs:variation>
+  <cs:variation>
+    <a:lumMod val="50000"/>
+    <a:lumOff val="50000"/>
+  </cs:variation>
+</cs:colorStyle>
+</file>
+
+<file path=ppt/charts/style1.xml><?xml version="1.0" encoding="utf-8"?>
+<cs:chartStyle xmlns:cs="http://schemas.microsoft.com/office/drawing/2012/chartStyle" xmlns:a="http://schemas.openxmlformats.org/drawingml/2006/main" id="240">
+  <cs:axisTitle>
+    <cs:lnRef idx="0"/>
+    <cs:fillRef idx="0"/>
+    <cs:effectRef idx="0"/>
+    <cs:fontRef idx="minor">
+      <a:schemeClr val="tx1">
+        <a:lumMod val="65000"/>
+        <a:lumOff val="35000"/>
+      </a:schemeClr>
+    </cs:fontRef>
+    <cs:defRPr sz="1000" kern="1200"/>
+  </cs:axisTitle>
+  <cs:categoryAxis>
+    <cs:lnRef idx="0"/>
+    <cs:fillRef idx="0"/>
+    <cs:effectRef idx="0"/>
+    <cs:fontRef idx="minor">
+      <a:schemeClr val="tx1">
+        <a:lumMod val="65000"/>
+        <a:lumOff val="35000"/>
+      </a:schemeClr>
+    </cs:fontRef>
+    <cs:spPr>
+      <a:ln w="9525" cap="flat" cmpd="sng" algn="ctr">
+        <a:solidFill>
+          <a:schemeClr val="tx1">
+            <a:lumMod val="25000"/>
+            <a:lumOff val="75000"/>
+          </a:schemeClr>
+        </a:solidFill>
+        <a:round/>
+      </a:ln>
+    </cs:spPr>
+    <cs:defRPr sz="900" kern="1200"/>
+  </cs:categoryAxis>
+  <cs:chartArea mods="allowNoFillOverride allowNoLineOverride">
+    <cs:lnRef idx="0"/>
+    <cs:fillRef idx="0"/>
+    <cs:effectRef idx="0"/>
+    <cs:fontRef idx="minor">
+      <a:schemeClr val="tx1"/>
+    </cs:fontRef>
+    <cs:spPr>
+      <a:solidFill>
+        <a:schemeClr val="bg1"/>
+      </a:solidFill>
+      <a:ln w="9525" cap="flat" cmpd="sng" algn="ctr">
+        <a:solidFill>
+          <a:schemeClr val="tx1">
+            <a:lumMod val="15000"/>
+            <a:lumOff val="85000"/>
+          </a:schemeClr>
+        </a:solidFill>
+        <a:round/>
+      </a:ln>
+    </cs:spPr>
+    <cs:defRPr sz="1000" kern="1200"/>
+  </cs:chartArea>
+  <cs:dataLabel>
+    <cs:lnRef idx="0"/>
+    <cs:fillRef idx="0"/>
+    <cs:effectRef idx="0"/>
+    <cs:fontRef idx="minor">
+      <a:schemeClr val="tx1">
+        <a:lumMod val="75000"/>
+        <a:lumOff val="25000"/>
+      </a:schemeClr>
+    </cs:fontRef>
+    <cs:defRPr sz="900" kern="1200"/>
+  </cs:dataLabel>
+  <cs:dataLabelCallout>
+    <cs:lnRef idx="0"/>
+    <cs:fillRef idx="0"/>
+    <cs:effectRef idx="0"/>
+    <cs:fontRef idx="minor">
+      <a:schemeClr val="dk1">
+        <a:lumMod val="65000"/>
+        <a:lumOff val="35000"/>
+      </a:schemeClr>
+    </cs:fontRef>
+    <cs:spPr>
+      <a:solidFill>
+        <a:schemeClr val="lt1"/>
+      </a:solidFill>
+      <a:ln>
+        <a:solidFill>
+          <a:schemeClr val="dk1">
+            <a:lumMod val="25000"/>
+            <a:lumOff val="75000"/>
+          </a:schemeClr>
+        </a:solidFill>
+      </a:ln>
+    </cs:spPr>
+    <cs:defRPr sz="900" kern="1200"/>
+    <cs:bodyPr rot="0" spcFirstLastPara="1" vertOverflow="clip" horzOverflow="clip" vert="horz" wrap="square" lIns="36576" tIns="18288" rIns="36576" bIns="18288" anchor="ctr" anchorCtr="1">
+      <a:spAutoFit/>
+    </cs:bodyPr>
+  </cs:dataLabelCallout>
+  <cs:dataPoint>
+    <cs:lnRef idx="0"/>
+    <cs:fillRef idx="1">
+      <cs:styleClr val="auto"/>
+    </cs:fillRef>
+    <cs:effectRef idx="0"/>
+    <cs:fontRef idx="minor">
+      <a:schemeClr val="tx1"/>
+    </cs:fontRef>
+  </cs:dataPoint>
+  <cs:dataPoint3D>
+    <cs:lnRef idx="0"/>
+    <cs:fillRef idx="1">
+      <cs:styleClr val="auto"/>
+    </cs:fillRef>
+    <cs:effectRef idx="0"/>
+    <cs:fontRef idx="minor">
+      <a:schemeClr val="tx1"/>
+    </cs:fontRef>
+  </cs:dataPoint3D>
+  <cs:dataPointLine>
+    <cs:lnRef idx="0">
+      <cs:styleClr val="auto"/>
+    </cs:lnRef>
+    <cs:fillRef idx="1"/>
+    <cs:effectRef idx="0"/>
+    <cs:fontRef idx="minor">
+      <a:schemeClr val="tx1"/>
+    </cs:fontRef>
+    <cs:spPr>
+      <a:ln w="19050" cap="rnd">
+        <a:solidFill>
+          <a:schemeClr val="phClr"/>
+        </a:solidFill>
+        <a:round/>
+      </a:ln>
+    </cs:spPr>
+  </cs:dataPointLine>
+  <cs:dataPointMarker>
+    <cs:lnRef idx="0">
+      <cs:styleClr val="auto"/>
+    </cs:lnRef>
+    <cs:fillRef idx="1">
+      <cs:styleClr val="auto"/>
+    </cs:fillRef>
+    <cs:effectRef idx="0"/>
+    <cs:fontRef idx="minor">
+      <a:schemeClr val="tx1"/>
+    </cs:fontRef>
+    <cs:spPr>
+      <a:ln w="9525">
+        <a:solidFill>
+          <a:schemeClr val="phClr"/>
+        </a:solidFill>
+      </a:ln>
+    </cs:spPr>
+  </cs:dataPointMarker>
+  <cs:dataPointMarkerLayout symbol="circle" size="5"/>
+  <cs:dataPointWireframe>
+    <cs:lnRef idx="0">
+      <cs:styleClr val="auto"/>
+    </cs:lnRef>
+    <cs:fillRef idx="0"/>
+    <cs:effectRef idx="0"/>
+    <cs:fontRef idx="minor">
+      <a:schemeClr val="dk1"/>
+    </cs:fontRef>
+    <cs:spPr>
+      <a:ln w="9525" cap="rnd">
+        <a:solidFill>
+          <a:schemeClr val="phClr"/>
+        </a:solidFill>
+        <a:round/>
+      </a:ln>
+    </cs:spPr>
+  </cs:dataPointWireframe>
+  <cs:dataTable>
+    <cs:lnRef idx="0"/>
+    <cs:fillRef idx="0"/>
+    <cs:effectRef idx="0"/>
+    <cs:fontRef idx="minor">
+      <a:schemeClr val="tx1">
+        <a:lumMod val="65000"/>
+        <a:lumOff val="35000"/>
+      </a:schemeClr>
+    </cs:fontRef>
+    <cs:spPr>
+      <a:noFill/>
+      <a:ln w="9525" cap="flat" cmpd="sng" algn="ctr">
+        <a:solidFill>
+          <a:schemeClr val="tx1">
+            <a:lumMod val="15000"/>
+            <a:lumOff val="85000"/>
+          </a:schemeClr>
+        </a:solidFill>
+        <a:round/>
+      </a:ln>
+    </cs:spPr>
+    <cs:defRPr sz="900" kern="1200"/>
+  </cs:dataTable>
+  <cs:downBar>
+    <cs:lnRef idx="0"/>
+    <cs:fillRef idx="0"/>
+    <cs:effectRef idx="0"/>
+    <cs:fontRef idx="minor">
+      <a:schemeClr val="tx1"/>
+    </cs:fontRef>
+    <cs:spPr>
+      <a:solidFill>
+        <a:schemeClr val="dk1">
+          <a:lumMod val="75000"/>
+          <a:lumOff val="25000"/>
+        </a:schemeClr>
+      </a:solidFill>
+      <a:ln w="9525" cap="flat" cmpd="sng" algn="ctr">
+        <a:solidFill>
+          <a:schemeClr val="tx1">
+            <a:lumMod val="65000"/>
+            <a:lumOff val="35000"/>
+          </a:schemeClr>
+        </a:solidFill>
+        <a:round/>
+      </a:ln>
+    </cs:spPr>
+  </cs:downBar>
+  <cs:dropLine>
+    <cs:lnRef idx="0"/>
+    <cs:fillRef idx="0"/>
+    <cs:effectRef idx="0"/>
+    <cs:fontRef idx="minor">
+      <a:schemeClr val="tx1"/>
+    </cs:fontRef>
+    <cs:spPr>
+      <a:ln w="9525" cap="flat" cmpd="sng" algn="ctr">
+        <a:solidFill>
+          <a:schemeClr val="tx1">
+            <a:lumMod val="35000"/>
+            <a:lumOff val="65000"/>
+          </a:schemeClr>
+        </a:solidFill>
+        <a:round/>
+      </a:ln>
+    </cs:spPr>
+  </cs:dropLine>
+  <cs:errorBar>
+    <cs:lnRef idx="0"/>
+    <cs:fillRef idx="0"/>
+    <cs:effectRef idx="0"/>
+    <cs:fontRef idx="minor">
+      <a:schemeClr val="tx1"/>
+    </cs:fontRef>
+    <cs:spPr>
+      <a:ln w="9525" cap="flat" cmpd="sng" algn="ctr">
+        <a:solidFill>
+          <a:schemeClr val="tx1">
+            <a:lumMod val="65000"/>
+            <a:lumOff val="35000"/>
+          </a:schemeClr>
+        </a:solidFill>
+        <a:round/>
+      </a:ln>
+    </cs:spPr>
+  </cs:errorBar>
+  <cs:floor>
+    <cs:lnRef idx="0"/>
+    <cs:fillRef idx="0"/>
+    <cs:effectRef idx="0"/>
+    <cs:fontRef idx="minor">
+      <a:schemeClr val="tx1"/>
+    </cs:fontRef>
+    <cs:spPr>
+      <a:noFill/>
+      <a:ln>
+        <a:noFill/>
+      </a:ln>
+    </cs:spPr>
+  </cs:floor>
+  <cs:gridlineMajor>
+    <cs:lnRef idx="0"/>
+    <cs:fillRef idx="0"/>
+    <cs:effectRef idx="0"/>
+    <cs:fontRef idx="minor">
+      <a:schemeClr val="tx1"/>
+    </cs:fontRef>
+    <cs:spPr>
+      <a:ln w="9525" cap="flat" cmpd="sng" algn="ctr">
+        <a:solidFill>
+          <a:schemeClr val="tx1">
+            <a:lumMod val="15000"/>
+            <a:lumOff val="85000"/>
+          </a:schemeClr>
+        </a:solidFill>
+        <a:round/>
+      </a:ln>
+    </cs:spPr>
+  </cs:gridlineMajor>
+  <cs:gridlineMinor>
+    <cs:lnRef idx="0"/>
+    <cs:fillRef idx="0"/>
+    <cs:effectRef idx="0"/>
+    <cs:fontRef idx="minor">
+      <a:schemeClr val="tx1"/>
+    </cs:fontRef>
+    <cs:spPr>
+      <a:ln w="9525" cap="flat" cmpd="sng" algn="ctr">
+        <a:solidFill>
+          <a:schemeClr val="tx1">
+            <a:lumMod val="5000"/>
+            <a:lumOff val="95000"/>
+          </a:schemeClr>
+        </a:solidFill>
+        <a:round/>
+      </a:ln>
+    </cs:spPr>
+  </cs:gridlineMinor>
+  <cs:hiLoLine>
+    <cs:lnRef idx="0"/>
+    <cs:fillRef idx="0"/>
+    <cs:effectRef idx="0"/>
+    <cs:fontRef idx="minor">
+      <a:schemeClr val="tx1"/>
+    </cs:fontRef>
+    <cs:spPr>
+      <a:ln w="9525" cap="flat" cmpd="sng" algn="ctr">
+        <a:solidFill>
+          <a:schemeClr val="tx1">
+            <a:lumMod val="50000"/>
+            <a:lumOff val="50000"/>
+          </a:schemeClr>
+        </a:solidFill>
+        <a:round/>
+      </a:ln>
+    </cs:spPr>
+  </cs:hiLoLine>
+  <cs:leaderLine>
+    <cs:lnRef idx="0"/>
+    <cs:fillRef idx="0"/>
+    <cs:effectRef idx="0"/>
+    <cs:fontRef idx="minor">
+      <a:schemeClr val="tx1"/>
+    </cs:fontRef>
+    <cs:spPr>
+      <a:ln w="9525" cap="flat" cmpd="sng" algn="ctr">
+        <a:solidFill>
+          <a:schemeClr val="tx1">
+            <a:lumMod val="35000"/>
+            <a:lumOff val="65000"/>
+          </a:schemeClr>
+        </a:solidFill>
+        <a:round/>
+      </a:ln>
+    </cs:spPr>
+  </cs:leaderLine>
+  <cs:legend>
+    <cs:lnRef idx="0"/>
+    <cs:fillRef idx="0"/>
+    <cs:effectRef idx="0"/>
+    <cs:fontRef idx="minor">
+      <a:schemeClr val="tx1">
+        <a:lumMod val="65000"/>
+        <a:lumOff val="35000"/>
+      </a:schemeClr>
+    </cs:fontRef>
+    <cs:defRPr sz="900" kern="1200"/>
+  </cs:legend>
+  <cs:plotArea mods="allowNoFillOverride allowNoLineOverride">
+    <cs:lnRef idx="0"/>
+    <cs:fillRef idx="0"/>
+    <cs:effectRef idx="0"/>
+    <cs:fontRef idx="minor">
+      <a:schemeClr val="tx1"/>
+    </cs:fontRef>
+  </cs:plotArea>
+  <cs:plotArea3D mods="allowNoFillOverride allowNoLineOverride">
+    <cs:lnRef idx="0"/>
+    <cs:fillRef idx="0"/>
+    <cs:effectRef idx="0"/>
+    <cs:fontRef idx="minor">
+      <a:schemeClr val="tx1"/>
+    </cs:fontRef>
+  </cs:plotArea3D>
+  <cs:seriesAxis>
+    <cs:lnRef idx="0"/>
+    <cs:fillRef idx="0"/>
+    <cs:effectRef idx="0"/>
+    <cs:fontRef idx="minor">
+      <a:schemeClr val="tx1">
+        <a:lumMod val="65000"/>
+        <a:lumOff val="35000"/>
+      </a:schemeClr>
+    </cs:fontRef>
+    <cs:defRPr sz="900" kern="1200"/>
+  </cs:seriesAxis>
+  <cs:seriesLine>
+    <cs:lnRef idx="0"/>
+    <cs:fillRef idx="0"/>
+    <cs:effectRef idx="0"/>
+    <cs:fontRef idx="minor">
+      <a:schemeClr val="tx1"/>
+    </cs:fontRef>
+    <cs:spPr>
+      <a:ln w="9525" cap="flat" cmpd="sng" algn="ctr">
+        <a:solidFill>
+          <a:schemeClr val="tx1">
+            <a:lumMod val="35000"/>
+            <a:lumOff val="65000"/>
+          </a:schemeClr>
+        </a:solidFill>
+        <a:round/>
+      </a:ln>
+    </cs:spPr>
+  </cs:seriesLine>
+  <cs:title>
+    <cs:lnRef idx="0"/>
+    <cs:fillRef idx="0"/>
+    <cs:effectRef idx="0"/>
+    <cs:fontRef idx="minor">
+      <a:schemeClr val="tx1">
+        <a:lumMod val="65000"/>
+        <a:lumOff val="35000"/>
+      </a:schemeClr>
+    </cs:fontRef>
+    <cs:defRPr sz="1400" b="0" kern="1200" spc="0" baseline="0"/>
+  </cs:title>
+  <cs:trendline>
+    <cs:lnRef idx="0">
+      <cs:styleClr val="auto"/>
+    </cs:lnRef>
+    <cs:fillRef idx="0"/>
+    <cs:effectRef idx="0"/>
+    <cs:fontRef idx="minor">
+      <a:schemeClr val="tx1"/>
+    </cs:fontRef>
+    <cs:spPr>
+      <a:ln w="19050" cap="rnd">
+        <a:solidFill>
+          <a:schemeClr val="phClr"/>
+        </a:solidFill>
+        <a:prstDash val="sysDot"/>
+      </a:ln>
+    </cs:spPr>
+  </cs:trendline>
+  <cs:trendlineLabel>
+    <cs:lnRef idx="0"/>
+    <cs:fillRef idx="0"/>
+    <cs:effectRef idx="0"/>
+    <cs:fontRef idx="minor">
+      <a:schemeClr val="tx1">
+        <a:lumMod val="65000"/>
+        <a:lumOff val="35000"/>
+      </a:schemeClr>
+    </cs:fontRef>
+    <cs:defRPr sz="900" kern="1200"/>
+  </cs:trendlineLabel>
+  <cs:upBar>
+    <cs:lnRef idx="0"/>
+    <cs:fillRef idx="0"/>
+    <cs:effectRef idx="0"/>
+    <cs:fontRef idx="minor">
+      <a:schemeClr val="tx1"/>
+    </cs:fontRef>
+    <cs:spPr>
+      <a:solidFill>
+        <a:schemeClr val="lt1"/>
+      </a:solidFill>
+      <a:ln w="9525" cap="flat" cmpd="sng" algn="ctr">
+        <a:solidFill>
+          <a:schemeClr val="tx1">
+            <a:lumMod val="65000"/>
+            <a:lumOff val="35000"/>
+          </a:schemeClr>
+        </a:solidFill>
+        <a:round/>
+      </a:ln>
+    </cs:spPr>
+  </cs:upBar>
+  <cs:valueAxis>
+    <cs:lnRef idx="0"/>
+    <cs:fillRef idx="0"/>
+    <cs:effectRef idx="0"/>
+    <cs:fontRef idx="minor">
+      <a:schemeClr val="tx1">
+        <a:lumMod val="65000"/>
+        <a:lumOff val="35000"/>
+      </a:schemeClr>
+    </cs:fontRef>
+    <cs:spPr>
+      <a:ln w="9525" cap="flat" cmpd="sng" algn="ctr">
+        <a:solidFill>
+          <a:schemeClr val="tx1">
+            <a:lumMod val="25000"/>
+            <a:lumOff val="75000"/>
+          </a:schemeClr>
+        </a:solidFill>
+        <a:round/>
+      </a:ln>
+    </cs:spPr>
+    <cs:defRPr sz="900" kern="1200"/>
+  </cs:valueAxis>
+  <cs:wall>
+    <cs:lnRef idx="0"/>
+    <cs:fillRef idx="0"/>
+    <cs:effectRef idx="0"/>
+    <cs:fontRef idx="minor">
+      <a:schemeClr val="tx1"/>
+    </cs:fontRef>
+    <cs:spPr>
+      <a:noFill/>
+      <a:ln>
+        <a:noFill/>
+      </a:ln>
+    </cs:spPr>
+  </cs:wall>
+</cs:chartStyle>
+</file>
+
 <file path=ppt/slideLayouts/slideLayout1.xml><?xml version="1.0" encoding="utf-8"?>
 <p:sldLayout xmlns:a="http://schemas.openxmlformats.org/drawingml/2006/main" xmlns:r="http://schemas.openxmlformats.org/officeDocument/2006/relationships" xmlns:p="http://schemas.openxmlformats.org/presentationml/2006/main" showMasterSp="0" type="title" preserve="1">
   <p:cSld name="Title Slide">
@@ -354,7 +1413,7 @@
             <a:fld id="{9978B490-2E2F-4BA6-9151-AC77A3AB02CA}" type="datetimeFigureOut">
               <a:rPr lang="en-US" smtClean="0"/>
               <a:pPr/>
-              <a:t>22-Dec-19</a:t>
+              <a:t>23-Dec-19</a:t>
             </a:fld>
             <a:endParaRPr lang="en-US"/>
           </a:p>
@@ -564,7 +1623,7 @@
             <a:fld id="{9978B490-2E2F-4BA6-9151-AC77A3AB02CA}" type="datetimeFigureOut">
               <a:rPr lang="en-US" smtClean="0"/>
               <a:pPr/>
-              <a:t>22-Dec-19</a:t>
+              <a:t>23-Dec-19</a:t>
             </a:fld>
             <a:endParaRPr lang="en-US"/>
           </a:p>
@@ -822,7 +1881,7 @@
             <a:fld id="{9978B490-2E2F-4BA6-9151-AC77A3AB02CA}" type="datetimeFigureOut">
               <a:rPr lang="en-US" smtClean="0"/>
               <a:pPr/>
-              <a:t>22-Dec-19</a:t>
+              <a:t>23-Dec-19</a:t>
             </a:fld>
             <a:endParaRPr lang="en-US"/>
           </a:p>
@@ -998,7 +2057,7 @@
             <a:fld id="{9978B490-2E2F-4BA6-9151-AC77A3AB02CA}" type="datetimeFigureOut">
               <a:rPr lang="en-US" smtClean="0"/>
               <a:pPr/>
-              <a:t>22-Dec-19</a:t>
+              <a:t>23-Dec-19</a:t>
             </a:fld>
             <a:endParaRPr lang="en-US"/>
           </a:p>
@@ -1343,7 +2402,7 @@
             <a:fld id="{9978B490-2E2F-4BA6-9151-AC77A3AB02CA}" type="datetimeFigureOut">
               <a:rPr lang="en-US" smtClean="0"/>
               <a:pPr/>
-              <a:t>22-Dec-19</a:t>
+              <a:t>23-Dec-19</a:t>
             </a:fld>
             <a:endParaRPr lang="en-US"/>
           </a:p>
@@ -1620,7 +2679,7 @@
             <a:fld id="{9978B490-2E2F-4BA6-9151-AC77A3AB02CA}" type="datetimeFigureOut">
               <a:rPr lang="en-US" smtClean="0"/>
               <a:pPr/>
-              <a:t>22-Dec-19</a:t>
+              <a:t>23-Dec-19</a:t>
             </a:fld>
             <a:endParaRPr lang="en-US"/>
           </a:p>
@@ -2001,7 +3060,7 @@
             <a:fld id="{9978B490-2E2F-4BA6-9151-AC77A3AB02CA}" type="datetimeFigureOut">
               <a:rPr lang="en-US" smtClean="0"/>
               <a:pPr/>
-              <a:t>22-Dec-19</a:t>
+              <a:t>23-Dec-19</a:t>
             </a:fld>
             <a:endParaRPr lang="en-US"/>
           </a:p>
@@ -2121,7 +3180,7 @@
             <a:fld id="{9978B490-2E2F-4BA6-9151-AC77A3AB02CA}" type="datetimeFigureOut">
               <a:rPr lang="en-US" smtClean="0"/>
               <a:pPr/>
-              <a:t>22-Dec-19</a:t>
+              <a:t>23-Dec-19</a:t>
             </a:fld>
             <a:endParaRPr lang="en-US"/>
           </a:p>
@@ -2294,7 +3353,7 @@
             <a:fld id="{9978B490-2E2F-4BA6-9151-AC77A3AB02CA}" type="datetimeFigureOut">
               <a:rPr lang="en-US" smtClean="0"/>
               <a:pPr/>
-              <a:t>22-Dec-19</a:t>
+              <a:t>23-Dec-19</a:t>
             </a:fld>
             <a:endParaRPr lang="en-US"/>
           </a:p>
@@ -2650,7 +3709,7 @@
             <a:fld id="{9978B490-2E2F-4BA6-9151-AC77A3AB02CA}" type="datetimeFigureOut">
               <a:rPr lang="en-US" smtClean="0"/>
               <a:pPr/>
-              <a:t>22-Dec-19</a:t>
+              <a:t>23-Dec-19</a:t>
             </a:fld>
             <a:endParaRPr lang="en-US"/>
           </a:p>
@@ -3034,7 +4093,7 @@
             <a:fld id="{9978B490-2E2F-4BA6-9151-AC77A3AB02CA}" type="datetimeFigureOut">
               <a:rPr lang="en-US" smtClean="0"/>
               <a:pPr/>
-              <a:t>22-Dec-19</a:t>
+              <a:t>23-Dec-19</a:t>
             </a:fld>
             <a:endParaRPr lang="en-US"/>
           </a:p>
@@ -3323,7 +4382,7 @@
             <a:fld id="{9978B490-2E2F-4BA6-9151-AC77A3AB02CA}" type="datetimeFigureOut">
               <a:rPr lang="en-US" smtClean="0"/>
               <a:pPr/>
-              <a:t>22-Dec-19</a:t>
+              <a:t>23-Dec-19</a:t>
             </a:fld>
             <a:endParaRPr lang="en-US"/>
           </a:p>
@@ -4078,15 +5137,7 @@
           <a:p>
             <a:r>
               <a:rPr lang="en-US" dirty="0" smtClean="0"/>
-              <a:t>Automatic Bengali News Generation – </a:t>
-            </a:r>
-            <a:r>
-              <a:rPr lang="en-US" dirty="0" smtClean="0"/>
-              <a:t>Our </a:t>
-            </a:r>
-            <a:r>
-              <a:rPr lang="en-US" dirty="0" smtClean="0"/>
-              <a:t>Work</a:t>
+              <a:t>Automatic Bengali News Generation – Our Work</a:t>
             </a:r>
             <a:endParaRPr lang="en-US" dirty="0"/>
           </a:p>
@@ -5042,7 +6093,7 @@
         </p:nvSpPr>
         <p:spPr>
           <a:xfrm>
-            <a:off x="2153344" y="5695425"/>
+            <a:off x="2307892" y="5695425"/>
             <a:ext cx="2251227" cy="369332"/>
           </a:xfrm>
           <a:prstGeom prst="rect">
@@ -5058,11 +6109,7 @@
           <a:p>
             <a:r>
               <a:rPr lang="en-US" dirty="0" smtClean="0"/>
-              <a:t>Sample </a:t>
-            </a:r>
-            <a:r>
-              <a:rPr lang="en-US" dirty="0" smtClean="0"/>
-              <a:t>Input</a:t>
+              <a:t>Sample Input</a:t>
             </a:r>
           </a:p>
         </p:txBody>
@@ -5095,7 +6142,7 @@
             </a:r>
             <a:r>
               <a:rPr lang="en-US" dirty="0" smtClean="0"/>
-              <a:t>5, 20, 35</a:t>
+              <a:t>5, and 20</a:t>
             </a:r>
             <a:endParaRPr lang="en-US" dirty="0"/>
           </a:p>
@@ -5124,7 +6171,7 @@
         <p:spPr>
           <a:xfrm>
             <a:off x="1065479" y="1787311"/>
-            <a:ext cx="3905766" cy="3858163"/>
+            <a:ext cx="4292132" cy="3858163"/>
           </a:xfrm>
           <a:prstGeom prst="rect">
             <a:avLst/>
@@ -5133,7 +6180,7 @@
       </p:pic>
       <p:pic>
         <p:nvPicPr>
-          <p:cNvPr id="5" name="Picture 4"/>
+          <p:cNvPr id="3" name="Picture 2"/>
           <p:cNvPicPr>
             <a:picLocks noChangeAspect="1"/>
           </p:cNvPicPr>
@@ -5153,8 +6200,8 @@
         </p:blipFill>
         <p:spPr>
           <a:xfrm>
-            <a:off x="5117537" y="1903222"/>
-            <a:ext cx="5820587" cy="876422"/>
+            <a:off x="5606452" y="1787311"/>
+            <a:ext cx="5121649" cy="1960441"/>
           </a:xfrm>
           <a:prstGeom prst="rect">
             <a:avLst/>
@@ -5163,7 +6210,7 @@
       </p:pic>
       <p:pic>
         <p:nvPicPr>
-          <p:cNvPr id="6" name="Picture 5"/>
+          <p:cNvPr id="8" name="Picture 7"/>
           <p:cNvPicPr>
             <a:picLocks noChangeAspect="1"/>
           </p:cNvPicPr>
@@ -5183,38 +6230,8 @@
         </p:blipFill>
         <p:spPr>
           <a:xfrm>
-            <a:off x="5117537" y="2831160"/>
-            <a:ext cx="5430008" cy="943107"/>
-          </a:xfrm>
-          <a:prstGeom prst="rect">
-            <a:avLst/>
-          </a:prstGeom>
-        </p:spPr>
-      </p:pic>
-      <p:pic>
-        <p:nvPicPr>
-          <p:cNvPr id="7" name="Picture 6"/>
-          <p:cNvPicPr>
-            <a:picLocks noChangeAspect="1"/>
-          </p:cNvPicPr>
-          <p:nvPr/>
-        </p:nvPicPr>
-        <p:blipFill>
-          <a:blip r:embed="rId5">
-            <a:extLst>
-              <a:ext uri="{28A0092B-C50C-407E-A947-70E740481C1C}">
-                <a14:useLocalDpi xmlns:a14="http://schemas.microsoft.com/office/drawing/2010/main" val="0"/>
-              </a:ext>
-            </a:extLst>
-          </a:blip>
-          <a:stretch>
-            <a:fillRect/>
-          </a:stretch>
-        </p:blipFill>
-        <p:spPr>
-          <a:xfrm>
-            <a:off x="5117537" y="3971546"/>
-            <a:ext cx="6773220" cy="1581371"/>
+            <a:off x="5682226" y="3747752"/>
+            <a:ext cx="4972744" cy="2076740"/>
           </a:xfrm>
           <a:prstGeom prst="rect">
             <a:avLst/>
@@ -5275,6 +6292,188 @@
           <a:p>
             <a:r>
               <a:rPr lang="en-US" dirty="0" smtClean="0"/>
+              <a:t>Automatic Bengali News Generation – </a:t>
+            </a:r>
+            <a:r>
+              <a:rPr lang="en-US" dirty="0" smtClean="0"/>
+              <a:t>Output Analysis</a:t>
+            </a:r>
+            <a:endParaRPr lang="en-US" dirty="0"/>
+          </a:p>
+        </p:txBody>
+      </p:sp>
+      <p:sp>
+        <p:nvSpPr>
+          <p:cNvPr id="27" name="TextBox 26"/>
+          <p:cNvSpPr txBox="1"/>
+          <p:nvPr/>
+        </p:nvSpPr>
+        <p:spPr>
+          <a:xfrm>
+            <a:off x="2153344" y="5437853"/>
+            <a:ext cx="2251227" cy="646331"/>
+          </a:xfrm>
+          <a:prstGeom prst="rect">
+            <a:avLst/>
+          </a:prstGeom>
+          <a:noFill/>
+        </p:spPr>
+        <p:txBody>
+          <a:bodyPr wrap="square" rtlCol="0">
+            <a:spAutoFit/>
+          </a:bodyPr>
+          <a:lstStyle/>
+          <a:p>
+            <a:r>
+              <a:rPr lang="en-US" dirty="0" smtClean="0"/>
+              <a:t>Increase of Training Accuracy per epoch</a:t>
+            </a:r>
+            <a:endParaRPr lang="en-US" dirty="0" smtClean="0"/>
+          </a:p>
+        </p:txBody>
+      </p:sp>
+      <p:sp>
+        <p:nvSpPr>
+          <p:cNvPr id="28" name="TextBox 27"/>
+          <p:cNvSpPr txBox="1"/>
+          <p:nvPr/>
+        </p:nvSpPr>
+        <p:spPr>
+          <a:xfrm>
+            <a:off x="6490950" y="5396243"/>
+            <a:ext cx="3863662" cy="646331"/>
+          </a:xfrm>
+          <a:prstGeom prst="rect">
+            <a:avLst/>
+          </a:prstGeom>
+          <a:noFill/>
+        </p:spPr>
+        <p:txBody>
+          <a:bodyPr wrap="square" rtlCol="0">
+            <a:spAutoFit/>
+          </a:bodyPr>
+          <a:lstStyle/>
+          <a:p>
+            <a:r>
+              <a:rPr lang="en-US" dirty="0" smtClean="0"/>
+              <a:t>Over fitting after epoch 25 – Diversity value has no effect</a:t>
+            </a:r>
+            <a:r>
+              <a:rPr lang="en-US" dirty="0" smtClean="0"/>
+              <a:t> </a:t>
+            </a:r>
+            <a:endParaRPr lang="en-US" dirty="0"/>
+          </a:p>
+        </p:txBody>
+      </p:sp>
+      <p:graphicFrame>
+        <p:nvGraphicFramePr>
+          <p:cNvPr id="6" name="Chart 5"/>
+          <p:cNvGraphicFramePr>
+            <a:graphicFrameLocks/>
+          </p:cNvGraphicFramePr>
+          <p:nvPr>
+            <p:extLst>
+              <p:ext uri="{D42A27DB-BD31-4B8C-83A1-F6EECF244321}">
+                <p14:modId xmlns:p14="http://schemas.microsoft.com/office/powerpoint/2010/main" val="1663345224"/>
+              </p:ext>
+            </p:extLst>
+          </p:nvPr>
+        </p:nvGraphicFramePr>
+        <p:xfrm>
+          <a:off x="992957" y="2250582"/>
+          <a:ext cx="4441928" cy="2836573"/>
+        </p:xfrm>
+        <a:graphic>
+          <a:graphicData uri="http://schemas.openxmlformats.org/drawingml/2006/chart">
+            <c:chart xmlns:c="http://schemas.openxmlformats.org/drawingml/2006/chart" xmlns:r="http://schemas.openxmlformats.org/officeDocument/2006/relationships" r:id="rId2"/>
+          </a:graphicData>
+        </a:graphic>
+      </p:graphicFrame>
+      <p:pic>
+        <p:nvPicPr>
+          <p:cNvPr id="3" name="Picture 2"/>
+          <p:cNvPicPr>
+            <a:picLocks noChangeAspect="1"/>
+          </p:cNvPicPr>
+          <p:nvPr/>
+        </p:nvPicPr>
+        <p:blipFill>
+          <a:blip r:embed="rId3">
+            <a:extLst>
+              <a:ext uri="{28A0092B-C50C-407E-A947-70E740481C1C}">
+                <a14:useLocalDpi xmlns:a14="http://schemas.microsoft.com/office/drawing/2010/main" val="0"/>
+              </a:ext>
+            </a:extLst>
+          </a:blip>
+          <a:stretch>
+            <a:fillRect/>
+          </a:stretch>
+        </p:blipFill>
+        <p:spPr>
+          <a:xfrm>
+            <a:off x="5758459" y="2078057"/>
+            <a:ext cx="4925112" cy="3286584"/>
+          </a:xfrm>
+          <a:prstGeom prst="rect">
+            <a:avLst/>
+          </a:prstGeom>
+        </p:spPr>
+      </p:pic>
+    </p:spTree>
+    <p:extLst>
+      <p:ext uri="{BB962C8B-B14F-4D97-AF65-F5344CB8AC3E}">
+        <p14:creationId xmlns:p14="http://schemas.microsoft.com/office/powerpoint/2010/main" val="470578650"/>
+      </p:ext>
+    </p:extLst>
+  </p:cSld>
+  <p:clrMapOvr>
+    <a:masterClrMapping/>
+  </p:clrMapOvr>
+  <p:timing>
+    <p:tnLst>
+      <p:par>
+        <p:cTn id="1" dur="indefinite" restart="never" nodeType="tmRoot"/>
+      </p:par>
+    </p:tnLst>
+  </p:timing>
+</p:sld>
+</file>
+
+<file path=ppt/slides/slide5.xml><?xml version="1.0" encoding="utf-8"?>
+<p:sld xmlns:a="http://schemas.openxmlformats.org/drawingml/2006/main" xmlns:r="http://schemas.openxmlformats.org/officeDocument/2006/relationships" xmlns:p="http://schemas.openxmlformats.org/presentationml/2006/main">
+  <p:cSld>
+    <p:spTree>
+      <p:nvGrpSpPr>
+        <p:cNvPr id="1" name=""/>
+        <p:cNvGrpSpPr/>
+        <p:nvPr/>
+      </p:nvGrpSpPr>
+      <p:grpSpPr>
+        <a:xfrm>
+          <a:off x="0" y="0"/>
+          <a:ext cx="0" cy="0"/>
+          <a:chOff x="0" y="0"/>
+          <a:chExt cx="0" cy="0"/>
+        </a:xfrm>
+      </p:grpSpPr>
+      <p:sp>
+        <p:nvSpPr>
+          <p:cNvPr id="2" name="Title 1"/>
+          <p:cNvSpPr>
+            <a:spLocks noGrp="1"/>
+          </p:cNvSpPr>
+          <p:nvPr>
+            <p:ph type="title"/>
+          </p:nvPr>
+        </p:nvSpPr>
+        <p:spPr/>
+        <p:txBody>
+          <a:bodyPr/>
+          <a:lstStyle/>
+          <a:p>
+            <a:r>
+              <a:rPr lang="en-US" dirty="0" smtClean="0"/>
               <a:t>Automatic Bengali News Generation – Future Target</a:t>
             </a:r>
             <a:endParaRPr lang="en-US" dirty="0"/>
@@ -5290,7 +6489,7 @@
           <p:nvPr>
             <p:extLst>
               <p:ext uri="{D42A27DB-BD31-4B8C-83A1-F6EECF244321}">
-                <p14:modId xmlns:p14="http://schemas.microsoft.com/office/powerpoint/2010/main" val="2486339637"/>
+                <p14:modId xmlns:p14="http://schemas.microsoft.com/office/powerpoint/2010/main" val="3006555785"/>
               </p:ext>
             </p:extLst>
           </p:nvPr>
@@ -5514,7 +6713,11 @@
                       </a:r>
                       <a:r>
                         <a:rPr lang="en-US" baseline="0" dirty="0" smtClean="0"/>
-                        <a:t>a fairly large data set, will try to generalize the learning so that no memorization happens</a:t>
+                        <a:t>a fairly large data set, will try to generalize the </a:t>
+                      </a:r>
+                      <a:r>
+                        <a:rPr lang="en-US" baseline="0" dirty="0" smtClean="0"/>
+                        <a:t>learning and then generate words with high temperature (diversity value)</a:t>
                       </a:r>
                       <a:endParaRPr lang="en-US" dirty="0"/>
                     </a:p>
@@ -5594,7 +6797,7 @@
 </p:sld>
 </file>
 
-<file path=ppt/slides/slide5.xml><?xml version="1.0" encoding="utf-8"?>
+<file path=ppt/slides/slide6.xml><?xml version="1.0" encoding="utf-8"?>
 <p:sld xmlns:a="http://schemas.openxmlformats.org/drawingml/2006/main" xmlns:r="http://schemas.openxmlformats.org/officeDocument/2006/relationships" xmlns:p="http://schemas.openxmlformats.org/presentationml/2006/main">
   <p:cSld>
     <p:spTree>

--- a/Minhaz_Shahadat/Bengali_News_Generation_Final_Presentation.pptx
+++ b/Minhaz_Shahadat/Bengali_News_Generation_Final_Presentation.pptx
@@ -11,6 +11,7 @@
     <p:sldId id="276" r:id="rId5"/>
     <p:sldId id="275" r:id="rId6"/>
     <p:sldId id="271" r:id="rId7"/>
+    <p:sldId id="277" r:id="rId8"/>
   </p:sldIdLst>
   <p:sldSz cx="12192000" cy="6858000"/>
   <p:notesSz cx="7315200" cy="9601200"/>
@@ -468,11 +469,11 @@
           <c:showPercent val="0"/>
           <c:showBubbleSize val="0"/>
         </c:dLbls>
-        <c:axId val="254326616"/>
-        <c:axId val="254327008"/>
+        <c:axId val="209383296"/>
+        <c:axId val="209381728"/>
       </c:scatterChart>
       <c:valAx>
-        <c:axId val="254326616"/>
+        <c:axId val="209383296"/>
         <c:scaling>
           <c:orientation val="minMax"/>
         </c:scaling>
@@ -529,12 +530,12 @@
             <a:endParaRPr lang="en-US"/>
           </a:p>
         </c:txPr>
-        <c:crossAx val="254327008"/>
+        <c:crossAx val="209381728"/>
         <c:crosses val="autoZero"/>
         <c:crossBetween val="midCat"/>
       </c:valAx>
       <c:valAx>
-        <c:axId val="254327008"/>
+        <c:axId val="209381728"/>
         <c:scaling>
           <c:orientation val="minMax"/>
         </c:scaling>
@@ -591,7 +592,7 @@
             <a:endParaRPr lang="en-US"/>
           </a:p>
         </c:txPr>
-        <c:crossAx val="254326616"/>
+        <c:crossAx val="209383296"/>
         <c:crosses val="autoZero"/>
         <c:crossBetween val="midCat"/>
       </c:valAx>
@@ -6138,11 +6139,7 @@
           <a:p>
             <a:r>
               <a:rPr lang="en-US" dirty="0" smtClean="0"/>
-              <a:t>Output after epoch: </a:t>
-            </a:r>
-            <a:r>
-              <a:rPr lang="en-US" dirty="0" smtClean="0"/>
-              <a:t>5, and 20</a:t>
+              <a:t>Output after epoch: 5, and 20</a:t>
             </a:r>
             <a:endParaRPr lang="en-US" dirty="0"/>
           </a:p>
@@ -6292,11 +6289,7 @@
           <a:p>
             <a:r>
               <a:rPr lang="en-US" dirty="0" smtClean="0"/>
-              <a:t>Automatic Bengali News Generation – </a:t>
-            </a:r>
-            <a:r>
-              <a:rPr lang="en-US" dirty="0" smtClean="0"/>
-              <a:t>Output Analysis</a:t>
+              <a:t>Automatic Bengali News Generation – Output Analysis</a:t>
             </a:r>
             <a:endParaRPr lang="en-US" dirty="0"/>
           </a:p>
@@ -6328,7 +6321,6 @@
               <a:rPr lang="en-US" dirty="0" smtClean="0"/>
               <a:t>Increase of Training Accuracy per epoch</a:t>
             </a:r>
-            <a:endParaRPr lang="en-US" dirty="0" smtClean="0"/>
           </a:p>
         </p:txBody>
       </p:sp>
@@ -6356,11 +6348,7 @@
           <a:p>
             <a:r>
               <a:rPr lang="en-US" dirty="0" smtClean="0"/>
-              <a:t>Over fitting after epoch 25 – Diversity value has no effect</a:t>
-            </a:r>
-            <a:r>
-              <a:rPr lang="en-US" dirty="0" smtClean="0"/>
-              <a:t> </a:t>
+              <a:t>Over fitting after epoch 25 – Diversity value has no effect </a:t>
             </a:r>
             <a:endParaRPr lang="en-US" dirty="0"/>
           </a:p>
@@ -6713,11 +6701,7 @@
                       </a:r>
                       <a:r>
                         <a:rPr lang="en-US" baseline="0" dirty="0" smtClean="0"/>
-                        <a:t>a fairly large data set, will try to generalize the </a:t>
-                      </a:r>
-                      <a:r>
-                        <a:rPr lang="en-US" baseline="0" dirty="0" smtClean="0"/>
-                        <a:t>learning and then generate words with high temperature (diversity value)</a:t>
+                        <a:t>a fairly large data set, will try to generalize the learning and then generate words with high temperature (diversity value)</a:t>
                       </a:r>
                       <a:endParaRPr lang="en-US" dirty="0"/>
                     </a:p>
@@ -6984,14 +6968,36 @@
               </a:rPr>
               <a:t>intellipaat.com/community/12732/using-pre-trained-word2vec-with-lstm-for-word-generation</a:t>
             </a:r>
-            <a:endParaRPr lang="en-US" sz="2000" dirty="0"/>
+            <a:endParaRPr lang="en-US" sz="2000" u="sng" dirty="0" smtClean="0"/>
           </a:p>
           <a:p>
             <a:pPr marL="749808" lvl="1" indent="-457200">
               <a:buFont typeface="+mj-lt"/>
               <a:buAutoNum type="arabicPeriod"/>
             </a:pPr>
-            <a:endParaRPr lang="en-US" sz="1800" dirty="0" smtClean="0"/>
+            <a:r>
+              <a:rPr lang="en-US" sz="2000" u="sng" dirty="0">
+                <a:hlinkClick r:id="rId6"/>
+              </a:rPr>
+              <a:t>https://</a:t>
+            </a:r>
+            <a:r>
+              <a:rPr lang="en-US" sz="2000" u="sng" dirty="0" smtClean="0">
+                <a:hlinkClick r:id="rId6"/>
+              </a:rPr>
+              <a:t>github.com/cogniinsight/Word-embedding-model-for-Bangla</a:t>
+            </a:r>
+            <a:endParaRPr lang="en-US" sz="2000" u="sng" dirty="0" smtClean="0"/>
+          </a:p>
+          <a:p>
+            <a:pPr marL="1115568" lvl="3" indent="-457200">
+              <a:buFont typeface="Wingdings" panose="05000000000000000000" pitchFamily="2" charset="2"/>
+              <a:buChar char="Ø"/>
+            </a:pPr>
+            <a:r>
+              <a:rPr lang="en-US" sz="1600" u="sng" dirty="0" smtClean="0"/>
+              <a:t>Tried Transfer Learning from their word2vec model, but not successful</a:t>
+            </a:r>
           </a:p>
         </p:txBody>
       </p:sp>
@@ -7012,6 +7018,129 @@
       </p:par>
     </p:tnLst>
   </p:timing>
+</p:sld>
+</file>
+
+<file path=ppt/slides/slide7.xml><?xml version="1.0" encoding="utf-8"?>
+<p:sld xmlns:a="http://schemas.openxmlformats.org/drawingml/2006/main" xmlns:r="http://schemas.openxmlformats.org/officeDocument/2006/relationships" xmlns:p="http://schemas.openxmlformats.org/presentationml/2006/main">
+  <p:cSld>
+    <p:spTree>
+      <p:nvGrpSpPr>
+        <p:cNvPr id="1" name=""/>
+        <p:cNvGrpSpPr/>
+        <p:nvPr/>
+      </p:nvGrpSpPr>
+      <p:grpSpPr>
+        <a:xfrm>
+          <a:off x="0" y="0"/>
+          <a:ext cx="0" cy="0"/>
+          <a:chOff x="0" y="0"/>
+          <a:chExt cx="0" cy="0"/>
+        </a:xfrm>
+      </p:grpSpPr>
+      <p:sp>
+        <p:nvSpPr>
+          <p:cNvPr id="2" name="Title 1"/>
+          <p:cNvSpPr>
+            <a:spLocks noGrp="1"/>
+          </p:cNvSpPr>
+          <p:nvPr>
+            <p:ph type="title"/>
+          </p:nvPr>
+        </p:nvSpPr>
+        <p:spPr/>
+        <p:txBody>
+          <a:bodyPr/>
+          <a:lstStyle/>
+          <a:p>
+            <a:endParaRPr lang="en-US" dirty="0"/>
+          </a:p>
+        </p:txBody>
+      </p:sp>
+      <p:sp>
+        <p:nvSpPr>
+          <p:cNvPr id="3" name="Content Placeholder 2"/>
+          <p:cNvSpPr>
+            <a:spLocks noGrp="1"/>
+          </p:cNvSpPr>
+          <p:nvPr>
+            <p:ph idx="1"/>
+          </p:nvPr>
+        </p:nvSpPr>
+        <p:spPr/>
+        <p:txBody>
+          <a:bodyPr/>
+          <a:lstStyle/>
+          <a:p>
+            <a:r>
+              <a:rPr lang="en-US" dirty="0"/>
+              <a:t>Our </a:t>
+            </a:r>
+            <a:r>
+              <a:rPr lang="en-US" dirty="0" err="1"/>
+              <a:t>GitHub</a:t>
+            </a:r>
+            <a:r>
+              <a:rPr lang="en-US" dirty="0"/>
+              <a:t> Repo: </a:t>
+            </a:r>
+            <a:endParaRPr lang="en-US" dirty="0" smtClean="0"/>
+          </a:p>
+          <a:p>
+            <a:r>
+              <a:rPr lang="en-US" dirty="0" smtClean="0">
+                <a:hlinkClick r:id="rId2"/>
+              </a:rPr>
+              <a:t>https</a:t>
+            </a:r>
+            <a:r>
+              <a:rPr lang="en-US" dirty="0">
+                <a:hlinkClick r:id="rId2"/>
+              </a:rPr>
+              <a:t>://</a:t>
+            </a:r>
+            <a:r>
+              <a:rPr lang="en-US" dirty="0" smtClean="0">
+                <a:hlinkClick r:id="rId2"/>
+              </a:rPr>
+              <a:t>github.com/minhazul-alam/News_Gen/tree/master/Minhaz_Shahadat</a:t>
+            </a:r>
+            <a:endParaRPr lang="en-US" dirty="0" smtClean="0"/>
+          </a:p>
+          <a:p>
+            <a:endParaRPr lang="en-US" dirty="0"/>
+          </a:p>
+          <a:p>
+            <a:endParaRPr lang="en-US" dirty="0" smtClean="0"/>
+          </a:p>
+          <a:p>
+            <a:pPr algn="ctr"/>
+            <a:r>
+              <a:rPr lang="en-US" sz="3200" dirty="0" smtClean="0">
+                <a:solidFill>
+                  <a:srgbClr val="0070C0"/>
+                </a:solidFill>
+              </a:rPr>
+              <a:t>Thank You!</a:t>
+            </a:r>
+            <a:endParaRPr lang="en-US" sz="3200" dirty="0">
+              <a:solidFill>
+                <a:srgbClr val="0070C0"/>
+              </a:solidFill>
+            </a:endParaRPr>
+          </a:p>
+        </p:txBody>
+      </p:sp>
+    </p:spTree>
+    <p:extLst>
+      <p:ext uri="{BB962C8B-B14F-4D97-AF65-F5344CB8AC3E}">
+        <p14:creationId xmlns:p14="http://schemas.microsoft.com/office/powerpoint/2010/main" val="156723663"/>
+      </p:ext>
+    </p:extLst>
+  </p:cSld>
+  <p:clrMapOvr>
+    <a:masterClrMapping/>
+  </p:clrMapOvr>
 </p:sld>
 </file>
 
